--- a/Congresos/Presentaciones_Locales/Cowie_2019_BayesianSDT.pptx
+++ b/Congresos/Presentaciones_Locales/Cowie_2019_BayesianSDT.pptx
@@ -282,7 +282,7 @@
           <a:p>
             <a:fld id="{C3091E62-F7F0-4719-84D5-9FBBF89A9F5A}" type="datetimeFigureOut">
               <a:rPr lang="es-MX" smtClean="0"/>
-              <a:t>03/06/2019</a:t>
+              <a:t>12/06/2019</a:t>
             </a:fld>
             <a:endParaRPr lang="es-MX"/>
           </a:p>
@@ -1137,7 +1137,7 @@
           <a:p>
             <a:fld id="{ABD75D52-72DB-49EB-97D1-74999CC14CB1}" type="datetimeFigureOut">
               <a:rPr lang="es-MX" smtClean="0"/>
-              <a:t>03/06/2019</a:t>
+              <a:t>12/06/2019</a:t>
             </a:fld>
             <a:endParaRPr lang="es-MX"/>
           </a:p>
@@ -1307,7 +1307,7 @@
           <a:p>
             <a:fld id="{ABD75D52-72DB-49EB-97D1-74999CC14CB1}" type="datetimeFigureOut">
               <a:rPr lang="es-MX" smtClean="0"/>
-              <a:t>03/06/2019</a:t>
+              <a:t>12/06/2019</a:t>
             </a:fld>
             <a:endParaRPr lang="es-MX"/>
           </a:p>
@@ -1487,7 +1487,7 @@
           <a:p>
             <a:fld id="{ABD75D52-72DB-49EB-97D1-74999CC14CB1}" type="datetimeFigureOut">
               <a:rPr lang="es-MX" smtClean="0"/>
-              <a:t>03/06/2019</a:t>
+              <a:t>12/06/2019</a:t>
             </a:fld>
             <a:endParaRPr lang="es-MX"/>
           </a:p>
@@ -1657,7 +1657,7 @@
           <a:p>
             <a:fld id="{ABD75D52-72DB-49EB-97D1-74999CC14CB1}" type="datetimeFigureOut">
               <a:rPr lang="es-MX" smtClean="0"/>
-              <a:t>03/06/2019</a:t>
+              <a:t>12/06/2019</a:t>
             </a:fld>
             <a:endParaRPr lang="es-MX"/>
           </a:p>
@@ -1903,7 +1903,7 @@
           <a:p>
             <a:fld id="{ABD75D52-72DB-49EB-97D1-74999CC14CB1}" type="datetimeFigureOut">
               <a:rPr lang="es-MX" smtClean="0"/>
-              <a:t>03/06/2019</a:t>
+              <a:t>12/06/2019</a:t>
             </a:fld>
             <a:endParaRPr lang="es-MX"/>
           </a:p>
@@ -2135,7 +2135,7 @@
           <a:p>
             <a:fld id="{ABD75D52-72DB-49EB-97D1-74999CC14CB1}" type="datetimeFigureOut">
               <a:rPr lang="es-MX" smtClean="0"/>
-              <a:t>03/06/2019</a:t>
+              <a:t>12/06/2019</a:t>
             </a:fld>
             <a:endParaRPr lang="es-MX"/>
           </a:p>
@@ -2502,7 +2502,7 @@
           <a:p>
             <a:fld id="{ABD75D52-72DB-49EB-97D1-74999CC14CB1}" type="datetimeFigureOut">
               <a:rPr lang="es-MX" smtClean="0"/>
-              <a:t>03/06/2019</a:t>
+              <a:t>12/06/2019</a:t>
             </a:fld>
             <a:endParaRPr lang="es-MX"/>
           </a:p>
@@ -2620,7 +2620,7 @@
           <a:p>
             <a:fld id="{ABD75D52-72DB-49EB-97D1-74999CC14CB1}" type="datetimeFigureOut">
               <a:rPr lang="es-MX" smtClean="0"/>
-              <a:t>03/06/2019</a:t>
+              <a:t>12/06/2019</a:t>
             </a:fld>
             <a:endParaRPr lang="es-MX"/>
           </a:p>
@@ -2715,7 +2715,7 @@
           <a:p>
             <a:fld id="{ABD75D52-72DB-49EB-97D1-74999CC14CB1}" type="datetimeFigureOut">
               <a:rPr lang="es-MX" smtClean="0"/>
-              <a:t>03/06/2019</a:t>
+              <a:t>12/06/2019</a:t>
             </a:fld>
             <a:endParaRPr lang="es-MX"/>
           </a:p>
@@ -2992,7 +2992,7 @@
           <a:p>
             <a:fld id="{ABD75D52-72DB-49EB-97D1-74999CC14CB1}" type="datetimeFigureOut">
               <a:rPr lang="es-MX" smtClean="0"/>
-              <a:t>03/06/2019</a:t>
+              <a:t>12/06/2019</a:t>
             </a:fld>
             <a:endParaRPr lang="es-MX"/>
           </a:p>
@@ -3245,7 +3245,7 @@
           <a:p>
             <a:fld id="{ABD75D52-72DB-49EB-97D1-74999CC14CB1}" type="datetimeFigureOut">
               <a:rPr lang="es-MX" smtClean="0"/>
-              <a:t>03/06/2019</a:t>
+              <a:t>12/06/2019</a:t>
             </a:fld>
             <a:endParaRPr lang="es-MX"/>
           </a:p>
@@ -3458,7 +3458,7 @@
           <a:p>
             <a:fld id="{ABD75D52-72DB-49EB-97D1-74999CC14CB1}" type="datetimeFigureOut">
               <a:rPr lang="es-MX" smtClean="0"/>
-              <a:t>03/06/2019</a:t>
+              <a:t>12/06/2019</a:t>
             </a:fld>
             <a:endParaRPr lang="es-MX"/>
           </a:p>
